--- a/MSBDGroupProject/figures.pptx
+++ b/MSBDGroupProject/figures.pptx
@@ -105,7 +105,16 @@
       </a:defRPr>
     </a:lvl9pPr>
   </p:defaultTextStyle>
+  <p:extLst>
+    <p:ext uri="{EFAFB233-063F-42B5-8137-9DF3F51BA10A}">
+      <p15:sldGuideLst xmlns:p15="http://schemas.microsoft.com/office/powerpoint/2012/main"/>
+    </p:ext>
+  </p:extLst>
 </p:presentation>
+</file>
+
+<file path=ppt/revisionInfo.xml><?xml version="1.0" encoding="utf-8"?>
+<p1510:revInfo xmlns:a="http://schemas.openxmlformats.org/drawingml/2006/main" xmlns:r="http://schemas.openxmlformats.org/officeDocument/2006/relationships" xmlns:p1510="http://schemas.microsoft.com/office/powerpoint/2015/10/main"/>
 </file>
 
 <file path=ppt/slideLayouts/slideLayout1.xml><?xml version="1.0" encoding="utf-8"?>
@@ -150,10 +159,9 @@
           </a:lstStyle>
           <a:p>
             <a:r>
-              <a:rPr lang="en-US" smtClean="0"/>
+              <a:rPr lang="en-US"/>
               <a:t>Click to edit Master title style</a:t>
             </a:r>
-            <a:endParaRPr lang="en-US"/>
           </a:p>
         </p:txBody>
       </p:sp>
@@ -215,10 +223,9 @@
           </a:lstStyle>
           <a:p>
             <a:r>
-              <a:rPr lang="en-US" smtClean="0"/>
+              <a:rPr lang="en-US"/>
               <a:t>Click to edit Master subtitle style</a:t>
             </a:r>
-            <a:endParaRPr lang="en-US"/>
           </a:p>
         </p:txBody>
       </p:sp>
@@ -333,10 +340,9 @@
           <a:lstStyle/>
           <a:p>
             <a:r>
-              <a:rPr lang="en-US" smtClean="0"/>
+              <a:rPr lang="en-US"/>
               <a:t>Click to edit Master title style</a:t>
             </a:r>
-            <a:endParaRPr lang="en-US"/>
           </a:p>
         </p:txBody>
       </p:sp>
@@ -357,38 +363,37 @@
           <a:p>
             <a:pPr lvl="0"/>
             <a:r>
-              <a:rPr lang="en-US" smtClean="0"/>
+              <a:rPr lang="en-US"/>
               <a:t>Edit Master text styles</a:t>
             </a:r>
           </a:p>
           <a:p>
             <a:pPr lvl="1"/>
             <a:r>
-              <a:rPr lang="en-US" smtClean="0"/>
+              <a:rPr lang="en-US"/>
               <a:t>Second level</a:t>
             </a:r>
           </a:p>
           <a:p>
             <a:pPr lvl="2"/>
             <a:r>
-              <a:rPr lang="en-US" smtClean="0"/>
+              <a:rPr lang="en-US"/>
               <a:t>Third level</a:t>
             </a:r>
           </a:p>
           <a:p>
             <a:pPr lvl="3"/>
             <a:r>
-              <a:rPr lang="en-US" smtClean="0"/>
+              <a:rPr lang="en-US"/>
               <a:t>Fourth level</a:t>
             </a:r>
           </a:p>
           <a:p>
             <a:pPr lvl="4"/>
             <a:r>
-              <a:rPr lang="en-US" smtClean="0"/>
+              <a:rPr lang="en-US"/>
               <a:t>Fifth level</a:t>
             </a:r>
-            <a:endParaRPr lang="en-US"/>
           </a:p>
         </p:txBody>
       </p:sp>
@@ -508,10 +513,9 @@
           <a:lstStyle/>
           <a:p>
             <a:r>
-              <a:rPr lang="en-US" smtClean="0"/>
+              <a:rPr lang="en-US"/>
               <a:t>Click to edit Master title style</a:t>
             </a:r>
-            <a:endParaRPr lang="en-US"/>
           </a:p>
         </p:txBody>
       </p:sp>
@@ -537,38 +541,37 @@
           <a:p>
             <a:pPr lvl="0"/>
             <a:r>
-              <a:rPr lang="en-US" smtClean="0"/>
+              <a:rPr lang="en-US"/>
               <a:t>Edit Master text styles</a:t>
             </a:r>
           </a:p>
           <a:p>
             <a:pPr lvl="1"/>
             <a:r>
-              <a:rPr lang="en-US" smtClean="0"/>
+              <a:rPr lang="en-US"/>
               <a:t>Second level</a:t>
             </a:r>
           </a:p>
           <a:p>
             <a:pPr lvl="2"/>
             <a:r>
-              <a:rPr lang="en-US" smtClean="0"/>
+              <a:rPr lang="en-US"/>
               <a:t>Third level</a:t>
             </a:r>
           </a:p>
           <a:p>
             <a:pPr lvl="3"/>
             <a:r>
-              <a:rPr lang="en-US" smtClean="0"/>
+              <a:rPr lang="en-US"/>
               <a:t>Fourth level</a:t>
             </a:r>
           </a:p>
           <a:p>
             <a:pPr lvl="4"/>
             <a:r>
-              <a:rPr lang="en-US" smtClean="0"/>
+              <a:rPr lang="en-US"/>
               <a:t>Fifth level</a:t>
             </a:r>
-            <a:endParaRPr lang="en-US"/>
           </a:p>
         </p:txBody>
       </p:sp>
@@ -683,10 +686,9 @@
           <a:lstStyle/>
           <a:p>
             <a:r>
-              <a:rPr lang="en-US" smtClean="0"/>
+              <a:rPr lang="en-US"/>
               <a:t>Click to edit Master title style</a:t>
             </a:r>
-            <a:endParaRPr lang="en-US"/>
           </a:p>
         </p:txBody>
       </p:sp>
@@ -707,38 +709,37 @@
           <a:p>
             <a:pPr lvl="0"/>
             <a:r>
-              <a:rPr lang="en-US" smtClean="0"/>
+              <a:rPr lang="en-US"/>
               <a:t>Edit Master text styles</a:t>
             </a:r>
           </a:p>
           <a:p>
             <a:pPr lvl="1"/>
             <a:r>
-              <a:rPr lang="en-US" smtClean="0"/>
+              <a:rPr lang="en-US"/>
               <a:t>Second level</a:t>
             </a:r>
           </a:p>
           <a:p>
             <a:pPr lvl="2"/>
             <a:r>
-              <a:rPr lang="en-US" smtClean="0"/>
+              <a:rPr lang="en-US"/>
               <a:t>Third level</a:t>
             </a:r>
           </a:p>
           <a:p>
             <a:pPr lvl="3"/>
             <a:r>
-              <a:rPr lang="en-US" smtClean="0"/>
+              <a:rPr lang="en-US"/>
               <a:t>Fourth level</a:t>
             </a:r>
           </a:p>
           <a:p>
             <a:pPr lvl="4"/>
             <a:r>
-              <a:rPr lang="en-US" smtClean="0"/>
+              <a:rPr lang="en-US"/>
               <a:t>Fifth level</a:t>
             </a:r>
-            <a:endParaRPr lang="en-US"/>
           </a:p>
         </p:txBody>
       </p:sp>
@@ -862,10 +863,9 @@
           </a:lstStyle>
           <a:p>
             <a:r>
-              <a:rPr lang="en-US" smtClean="0"/>
+              <a:rPr lang="en-US"/>
               <a:t>Click to edit Master title style</a:t>
             </a:r>
-            <a:endParaRPr lang="en-US"/>
           </a:p>
         </p:txBody>
       </p:sp>
@@ -982,7 +982,7 @@
           <a:p>
             <a:pPr lvl="0"/>
             <a:r>
-              <a:rPr lang="en-US" smtClean="0"/>
+              <a:rPr lang="en-US"/>
               <a:t>Edit Master text styles</a:t>
             </a:r>
           </a:p>
@@ -1099,10 +1099,9 @@
           <a:lstStyle/>
           <a:p>
             <a:r>
-              <a:rPr lang="en-US" smtClean="0"/>
+              <a:rPr lang="en-US"/>
               <a:t>Click to edit Master title style</a:t>
             </a:r>
-            <a:endParaRPr lang="en-US"/>
           </a:p>
         </p:txBody>
       </p:sp>
@@ -1128,38 +1127,37 @@
           <a:p>
             <a:pPr lvl="0"/>
             <a:r>
-              <a:rPr lang="en-US" smtClean="0"/>
+              <a:rPr lang="en-US"/>
               <a:t>Edit Master text styles</a:t>
             </a:r>
           </a:p>
           <a:p>
             <a:pPr lvl="1"/>
             <a:r>
-              <a:rPr lang="en-US" smtClean="0"/>
+              <a:rPr lang="en-US"/>
               <a:t>Second level</a:t>
             </a:r>
           </a:p>
           <a:p>
             <a:pPr lvl="2"/>
             <a:r>
-              <a:rPr lang="en-US" smtClean="0"/>
+              <a:rPr lang="en-US"/>
               <a:t>Third level</a:t>
             </a:r>
           </a:p>
           <a:p>
             <a:pPr lvl="3"/>
             <a:r>
-              <a:rPr lang="en-US" smtClean="0"/>
+              <a:rPr lang="en-US"/>
               <a:t>Fourth level</a:t>
             </a:r>
           </a:p>
           <a:p>
             <a:pPr lvl="4"/>
             <a:r>
-              <a:rPr lang="en-US" smtClean="0"/>
+              <a:rPr lang="en-US"/>
               <a:t>Fifth level</a:t>
             </a:r>
-            <a:endParaRPr lang="en-US"/>
           </a:p>
         </p:txBody>
       </p:sp>
@@ -1185,38 +1183,37 @@
           <a:p>
             <a:pPr lvl="0"/>
             <a:r>
-              <a:rPr lang="en-US" smtClean="0"/>
+              <a:rPr lang="en-US"/>
               <a:t>Edit Master text styles</a:t>
             </a:r>
           </a:p>
           <a:p>
             <a:pPr lvl="1"/>
             <a:r>
-              <a:rPr lang="en-US" smtClean="0"/>
+              <a:rPr lang="en-US"/>
               <a:t>Second level</a:t>
             </a:r>
           </a:p>
           <a:p>
             <a:pPr lvl="2"/>
             <a:r>
-              <a:rPr lang="en-US" smtClean="0"/>
+              <a:rPr lang="en-US"/>
               <a:t>Third level</a:t>
             </a:r>
           </a:p>
           <a:p>
             <a:pPr lvl="3"/>
             <a:r>
-              <a:rPr lang="en-US" smtClean="0"/>
+              <a:rPr lang="en-US"/>
               <a:t>Fourth level</a:t>
             </a:r>
           </a:p>
           <a:p>
             <a:pPr lvl="4"/>
             <a:r>
-              <a:rPr lang="en-US" smtClean="0"/>
+              <a:rPr lang="en-US"/>
               <a:t>Fifth level</a:t>
             </a:r>
-            <a:endParaRPr lang="en-US"/>
           </a:p>
         </p:txBody>
       </p:sp>
@@ -1336,10 +1333,9 @@
           <a:lstStyle/>
           <a:p>
             <a:r>
-              <a:rPr lang="en-US" smtClean="0"/>
+              <a:rPr lang="en-US"/>
               <a:t>Click to edit Master title style</a:t>
             </a:r>
-            <a:endParaRPr lang="en-US"/>
           </a:p>
         </p:txBody>
       </p:sp>
@@ -1402,7 +1398,7 @@
           <a:p>
             <a:pPr lvl="0"/>
             <a:r>
-              <a:rPr lang="en-US" smtClean="0"/>
+              <a:rPr lang="en-US"/>
               <a:t>Edit Master text styles</a:t>
             </a:r>
           </a:p>
@@ -1430,38 +1426,37 @@
           <a:p>
             <a:pPr lvl="0"/>
             <a:r>
-              <a:rPr lang="en-US" smtClean="0"/>
+              <a:rPr lang="en-US"/>
               <a:t>Edit Master text styles</a:t>
             </a:r>
           </a:p>
           <a:p>
             <a:pPr lvl="1"/>
             <a:r>
-              <a:rPr lang="en-US" smtClean="0"/>
+              <a:rPr lang="en-US"/>
               <a:t>Second level</a:t>
             </a:r>
           </a:p>
           <a:p>
             <a:pPr lvl="2"/>
             <a:r>
-              <a:rPr lang="en-US" smtClean="0"/>
+              <a:rPr lang="en-US"/>
               <a:t>Third level</a:t>
             </a:r>
           </a:p>
           <a:p>
             <a:pPr lvl="3"/>
             <a:r>
-              <a:rPr lang="en-US" smtClean="0"/>
+              <a:rPr lang="en-US"/>
               <a:t>Fourth level</a:t>
             </a:r>
           </a:p>
           <a:p>
             <a:pPr lvl="4"/>
             <a:r>
-              <a:rPr lang="en-US" smtClean="0"/>
+              <a:rPr lang="en-US"/>
               <a:t>Fifth level</a:t>
             </a:r>
-            <a:endParaRPr lang="en-US"/>
           </a:p>
         </p:txBody>
       </p:sp>
@@ -1524,7 +1519,7 @@
           <a:p>
             <a:pPr lvl="0"/>
             <a:r>
-              <a:rPr lang="en-US" smtClean="0"/>
+              <a:rPr lang="en-US"/>
               <a:t>Edit Master text styles</a:t>
             </a:r>
           </a:p>
@@ -1552,38 +1547,37 @@
           <a:p>
             <a:pPr lvl="0"/>
             <a:r>
-              <a:rPr lang="en-US" smtClean="0"/>
+              <a:rPr lang="en-US"/>
               <a:t>Edit Master text styles</a:t>
             </a:r>
           </a:p>
           <a:p>
             <a:pPr lvl="1"/>
             <a:r>
-              <a:rPr lang="en-US" smtClean="0"/>
+              <a:rPr lang="en-US"/>
               <a:t>Second level</a:t>
             </a:r>
           </a:p>
           <a:p>
             <a:pPr lvl="2"/>
             <a:r>
-              <a:rPr lang="en-US" smtClean="0"/>
+              <a:rPr lang="en-US"/>
               <a:t>Third level</a:t>
             </a:r>
           </a:p>
           <a:p>
             <a:pPr lvl="3"/>
             <a:r>
-              <a:rPr lang="en-US" smtClean="0"/>
+              <a:rPr lang="en-US"/>
               <a:t>Fourth level</a:t>
             </a:r>
           </a:p>
           <a:p>
             <a:pPr lvl="4"/>
             <a:r>
-              <a:rPr lang="en-US" smtClean="0"/>
+              <a:rPr lang="en-US"/>
               <a:t>Fifth level</a:t>
             </a:r>
-            <a:endParaRPr lang="en-US"/>
           </a:p>
         </p:txBody>
       </p:sp>
@@ -1698,10 +1692,9 @@
           <a:lstStyle/>
           <a:p>
             <a:r>
-              <a:rPr lang="en-US" smtClean="0"/>
+              <a:rPr lang="en-US"/>
               <a:t>Click to edit Master title style</a:t>
             </a:r>
-            <a:endParaRPr lang="en-US"/>
           </a:p>
         </p:txBody>
       </p:sp>
@@ -1920,10 +1913,9 @@
           </a:lstStyle>
           <a:p>
             <a:r>
-              <a:rPr lang="en-US" smtClean="0"/>
+              <a:rPr lang="en-US"/>
               <a:t>Click to edit Master title style</a:t>
             </a:r>
-            <a:endParaRPr lang="en-US"/>
           </a:p>
         </p:txBody>
       </p:sp>
@@ -1977,38 +1969,37 @@
           <a:p>
             <a:pPr lvl="0"/>
             <a:r>
-              <a:rPr lang="en-US" smtClean="0"/>
+              <a:rPr lang="en-US"/>
               <a:t>Edit Master text styles</a:t>
             </a:r>
           </a:p>
           <a:p>
             <a:pPr lvl="1"/>
             <a:r>
-              <a:rPr lang="en-US" smtClean="0"/>
+              <a:rPr lang="en-US"/>
               <a:t>Second level</a:t>
             </a:r>
           </a:p>
           <a:p>
             <a:pPr lvl="2"/>
             <a:r>
-              <a:rPr lang="en-US" smtClean="0"/>
+              <a:rPr lang="en-US"/>
               <a:t>Third level</a:t>
             </a:r>
           </a:p>
           <a:p>
             <a:pPr lvl="3"/>
             <a:r>
-              <a:rPr lang="en-US" smtClean="0"/>
+              <a:rPr lang="en-US"/>
               <a:t>Fourth level</a:t>
             </a:r>
           </a:p>
           <a:p>
             <a:pPr lvl="4"/>
             <a:r>
-              <a:rPr lang="en-US" smtClean="0"/>
+              <a:rPr lang="en-US"/>
               <a:t>Fifth level</a:t>
             </a:r>
-            <a:endParaRPr lang="en-US"/>
           </a:p>
         </p:txBody>
       </p:sp>
@@ -2071,7 +2062,7 @@
           <a:p>
             <a:pPr lvl="0"/>
             <a:r>
-              <a:rPr lang="en-US" smtClean="0"/>
+              <a:rPr lang="en-US"/>
               <a:t>Edit Master text styles</a:t>
             </a:r>
           </a:p>
@@ -2197,10 +2188,9 @@
           </a:lstStyle>
           <a:p>
             <a:r>
-              <a:rPr lang="en-US" smtClean="0"/>
+              <a:rPr lang="en-US"/>
               <a:t>Click to edit Master title style</a:t>
             </a:r>
-            <a:endParaRPr lang="en-US"/>
           </a:p>
         </p:txBody>
       </p:sp>
@@ -2324,7 +2314,7 @@
           <a:p>
             <a:pPr lvl="0"/>
             <a:r>
-              <a:rPr lang="en-US" smtClean="0"/>
+              <a:rPr lang="en-US"/>
               <a:t>Edit Master text styles</a:t>
             </a:r>
           </a:p>
@@ -2456,10 +2446,9 @@
           <a:lstStyle/>
           <a:p>
             <a:r>
-              <a:rPr lang="en-US" smtClean="0"/>
+              <a:rPr lang="en-US"/>
               <a:t>Click to edit Master title style</a:t>
             </a:r>
-            <a:endParaRPr lang="en-US"/>
           </a:p>
         </p:txBody>
       </p:sp>
@@ -2490,38 +2479,37 @@
           <a:p>
             <a:pPr lvl="0"/>
             <a:r>
-              <a:rPr lang="en-US" smtClean="0"/>
+              <a:rPr lang="en-US"/>
               <a:t>Edit Master text styles</a:t>
             </a:r>
           </a:p>
           <a:p>
             <a:pPr lvl="1"/>
             <a:r>
-              <a:rPr lang="en-US" smtClean="0"/>
+              <a:rPr lang="en-US"/>
               <a:t>Second level</a:t>
             </a:r>
           </a:p>
           <a:p>
             <a:pPr lvl="2"/>
             <a:r>
-              <a:rPr lang="en-US" smtClean="0"/>
+              <a:rPr lang="en-US"/>
               <a:t>Third level</a:t>
             </a:r>
           </a:p>
           <a:p>
             <a:pPr lvl="3"/>
             <a:r>
-              <a:rPr lang="en-US" smtClean="0"/>
+              <a:rPr lang="en-US"/>
               <a:t>Fourth level</a:t>
             </a:r>
           </a:p>
           <a:p>
             <a:pPr lvl="4"/>
             <a:r>
-              <a:rPr lang="en-US" smtClean="0"/>
+              <a:rPr lang="en-US"/>
               <a:t>Fifth level</a:t>
             </a:r>
-            <a:endParaRPr lang="en-US"/>
           </a:p>
         </p:txBody>
       </p:sp>
@@ -2973,10 +2961,10 @@
         </p:nvGrpSpPr>
         <p:grpSpPr>
           <a:xfrm>
-            <a:off x="211015" y="155006"/>
-            <a:ext cx="11603588" cy="6540340"/>
-            <a:chOff x="168812" y="-56010"/>
-            <a:chExt cx="11603588" cy="6540340"/>
+            <a:off x="156203" y="12197"/>
+            <a:ext cx="11392115" cy="6526405"/>
+            <a:chOff x="198812" y="-42075"/>
+            <a:chExt cx="11392115" cy="6526405"/>
           </a:xfrm>
         </p:grpSpPr>
         <p:sp>
@@ -2987,7 +2975,7 @@
           </p:nvSpPr>
           <p:spPr>
             <a:xfrm>
-              <a:off x="168812" y="2159869"/>
+              <a:off x="198812" y="2292844"/>
               <a:ext cx="1749418" cy="1838370"/>
             </a:xfrm>
             <a:prstGeom prst="rect">
@@ -3019,17 +3007,16 @@
             <a:p>
               <a:pPr algn="ctr"/>
               <a:r>
-                <a:rPr lang="en-US" dirty="0" smtClean="0"/>
+                <a:rPr lang="en-US" dirty="0"/>
                 <a:t>Input image</a:t>
               </a:r>
             </a:p>
             <a:p>
               <a:pPr algn="ctr"/>
               <a:r>
-                <a:rPr lang="en-US" dirty="0" smtClean="0"/>
+                <a:rPr lang="en-US" dirty="0"/>
                 <a:t>3328 x 4084</a:t>
               </a:r>
-              <a:endParaRPr lang="en-US" dirty="0"/>
             </a:p>
           </p:txBody>
         </p:sp>
@@ -3043,7 +3030,7 @@
           </p:nvCxnSpPr>
           <p:spPr>
             <a:xfrm flipV="1">
-              <a:off x="1918230" y="1170387"/>
+              <a:off x="1948230" y="1303362"/>
               <a:ext cx="1063283" cy="1908667"/>
             </a:xfrm>
             <a:prstGeom prst="straightConnector1">
@@ -3111,17 +3098,16 @@
             <a:p>
               <a:pPr algn="ctr"/>
               <a:r>
-                <a:rPr lang="en-US" dirty="0" smtClean="0"/>
+                <a:rPr lang="en-US" dirty="0"/>
                 <a:t>patch</a:t>
               </a:r>
             </a:p>
             <a:p>
               <a:pPr algn="ctr"/>
               <a:r>
-                <a:rPr lang="en-US" dirty="0" smtClean="0"/>
+                <a:rPr lang="en-US" dirty="0"/>
                 <a:t>224 x 224</a:t>
               </a:r>
-              <a:endParaRPr lang="en-US" dirty="0"/>
             </a:p>
           </p:txBody>
         </p:sp>
@@ -3165,17 +3151,16 @@
             <a:p>
               <a:pPr algn="ctr"/>
               <a:r>
-                <a:rPr lang="en-US" dirty="0" smtClean="0"/>
+                <a:rPr lang="en-US" dirty="0"/>
                 <a:t>patch</a:t>
               </a:r>
             </a:p>
             <a:p>
               <a:pPr algn="ctr"/>
               <a:r>
-                <a:rPr lang="en-US" dirty="0" smtClean="0"/>
+                <a:rPr lang="en-US" dirty="0"/>
                 <a:t>224 x 224</a:t>
               </a:r>
-              <a:endParaRPr lang="en-US" dirty="0"/>
             </a:p>
           </p:txBody>
         </p:sp>
@@ -3363,17 +3348,16 @@
             <a:p>
               <a:pPr algn="ctr"/>
               <a:r>
-                <a:rPr lang="en-US" dirty="0" smtClean="0"/>
+                <a:rPr lang="en-US" dirty="0"/>
                 <a:t>patch</a:t>
               </a:r>
             </a:p>
             <a:p>
               <a:pPr algn="ctr"/>
               <a:r>
-                <a:rPr lang="en-US" dirty="0" smtClean="0"/>
+                <a:rPr lang="en-US" dirty="0"/>
                 <a:t>224 x 224</a:t>
               </a:r>
-              <a:endParaRPr lang="en-US" dirty="0"/>
             </a:p>
           </p:txBody>
         </p:sp>
@@ -3417,10 +3401,16 @@
             <a:p>
               <a:pPr algn="ctr"/>
               <a:r>
-                <a:rPr lang="en-US" dirty="0" smtClean="0"/>
-                <a:t>EM-based method with CNN</a:t>
+                <a:rPr lang="en-US" dirty="0"/>
+                <a:t>Train the CNN</a:t>
               </a:r>
-              <a:endParaRPr lang="en-US" dirty="0"/>
+            </a:p>
+            <a:p>
+              <a:pPr algn="ctr"/>
+              <a:r>
+                <a:rPr lang="en-US" dirty="0"/>
+                <a:t>Base on the patches</a:t>
+              </a:r>
             </a:p>
           </p:txBody>
         </p:sp>
@@ -3432,8 +3422,8 @@
           </p:nvSpPr>
           <p:spPr>
             <a:xfrm>
-              <a:off x="10126480" y="2169958"/>
-              <a:ext cx="1645920" cy="1645920"/>
+              <a:off x="10242349" y="4935416"/>
+              <a:ext cx="1348578" cy="1283363"/>
             </a:xfrm>
             <a:prstGeom prst="ellipse">
               <a:avLst/>
@@ -3467,18 +3457,24 @@
             <a:p>
               <a:pPr algn="ctr"/>
               <a:r>
-                <a:rPr lang="en-US" dirty="0" smtClean="0">
+                <a:rPr lang="en-US" dirty="0">
+                  <a:solidFill>
+                    <a:schemeClr val="tx1"/>
+                  </a:solidFill>
+                </a:rPr>
+                <a:t>Level-2</a:t>
+              </a:r>
+            </a:p>
+            <a:p>
+              <a:pPr algn="ctr"/>
+              <a:r>
+                <a:rPr lang="en-US" dirty="0">
                   <a:solidFill>
                     <a:schemeClr val="tx1"/>
                   </a:solidFill>
                 </a:rPr>
                 <a:t>CNN</a:t>
               </a:r>
-              <a:endParaRPr lang="en-US" dirty="0">
-                <a:solidFill>
-                  <a:schemeClr val="tx1"/>
-                </a:solidFill>
-              </a:endParaRPr>
             </a:p>
           </p:txBody>
         </p:sp>
@@ -3490,7 +3486,7 @@
           </p:nvSpPr>
           <p:spPr>
             <a:xfrm>
-              <a:off x="7706754" y="826310"/>
+              <a:off x="7706754" y="1163151"/>
               <a:ext cx="1102640" cy="1158705"/>
             </a:xfrm>
             <a:prstGeom prst="rect">
@@ -3522,17 +3518,16 @@
             <a:p>
               <a:pPr algn="ctr"/>
               <a:r>
-                <a:rPr lang="en-US" dirty="0" smtClean="0"/>
+                <a:rPr lang="en-US" dirty="0"/>
                 <a:t>patch</a:t>
               </a:r>
             </a:p>
             <a:p>
               <a:pPr algn="ctr"/>
               <a:r>
-                <a:rPr lang="en-US" dirty="0" smtClean="0"/>
+                <a:rPr lang="en-US" dirty="0"/>
                 <a:t>224 x 224</a:t>
               </a:r>
-              <a:endParaRPr lang="en-US" dirty="0"/>
             </a:p>
           </p:txBody>
         </p:sp>
@@ -3576,17 +3571,16 @@
             <a:p>
               <a:pPr algn="ctr"/>
               <a:r>
-                <a:rPr lang="en-US" dirty="0" smtClean="0"/>
+                <a:rPr lang="en-US" dirty="0"/>
                 <a:t>patch</a:t>
               </a:r>
             </a:p>
             <a:p>
               <a:pPr algn="ctr"/>
               <a:r>
-                <a:rPr lang="en-US" dirty="0" smtClean="0"/>
+                <a:rPr lang="en-US" dirty="0"/>
                 <a:t>224 x 224</a:t>
               </a:r>
-              <a:endParaRPr lang="en-US" dirty="0"/>
             </a:p>
           </p:txBody>
         </p:sp>
@@ -3742,7 +3736,7 @@
           </p:nvSpPr>
           <p:spPr>
             <a:xfrm>
-              <a:off x="7687995" y="4521423"/>
+              <a:off x="7687995" y="4290399"/>
               <a:ext cx="1102640" cy="1158705"/>
             </a:xfrm>
             <a:prstGeom prst="rect">
@@ -3774,30 +3768,31 @@
             <a:p>
               <a:pPr algn="ctr"/>
               <a:r>
-                <a:rPr lang="en-US" dirty="0" smtClean="0"/>
+                <a:rPr lang="en-US" dirty="0"/>
                 <a:t>patch</a:t>
               </a:r>
             </a:p>
             <a:p>
               <a:pPr algn="ctr"/>
               <a:r>
-                <a:rPr lang="en-US" dirty="0" smtClean="0"/>
+                <a:rPr lang="en-US" dirty="0"/>
                 <a:t>224 x 224</a:t>
               </a:r>
-              <a:endParaRPr lang="en-US" dirty="0"/>
             </a:p>
           </p:txBody>
         </p:sp>
         <p:cxnSp>
           <p:nvCxnSpPr>
             <p:cNvPr id="27" name="Straight Arrow Connector 26"/>
-            <p:cNvCxnSpPr/>
+            <p:cNvCxnSpPr>
+              <a:cxnSpLocks/>
+            </p:cNvCxnSpPr>
             <p:nvPr/>
           </p:nvCxnSpPr>
           <p:spPr>
             <a:xfrm>
-              <a:off x="8856618" y="1400207"/>
-              <a:ext cx="1152545" cy="1214277"/>
+              <a:off x="8948145" y="2124720"/>
+              <a:ext cx="1061018" cy="489764"/>
             </a:xfrm>
             <a:prstGeom prst="straightConnector1">
               <a:avLst/>
@@ -3847,7 +3842,7 @@
             <a:lstStyle/>
             <a:p>
               <a:r>
-                <a:rPr lang="en-US" dirty="0" smtClean="0"/>
+                <a:rPr lang="en-US" dirty="0"/>
                 <a:t>Initial label same as the image</a:t>
               </a:r>
             </a:p>
@@ -3896,17 +3891,16 @@
             <a:p>
               <a:pPr algn="ctr"/>
               <a:r>
-                <a:rPr lang="en-US" dirty="0" smtClean="0"/>
+                <a:rPr lang="en-US" dirty="0"/>
                 <a:t>patch</a:t>
               </a:r>
             </a:p>
             <a:p>
               <a:pPr algn="ctr"/>
               <a:r>
-                <a:rPr lang="en-US" dirty="0" smtClean="0"/>
+                <a:rPr lang="en-US" dirty="0"/>
                 <a:t>224 x 224</a:t>
               </a:r>
-              <a:endParaRPr lang="en-US" dirty="0"/>
             </a:p>
           </p:txBody>
         </p:sp>
@@ -3920,7 +3914,7 @@
           </p:nvCxnSpPr>
           <p:spPr>
             <a:xfrm flipV="1">
-              <a:off x="1918230" y="2427683"/>
+              <a:off x="1948230" y="2560658"/>
               <a:ext cx="1044779" cy="651371"/>
             </a:xfrm>
             <a:prstGeom prst="straightConnector1">
@@ -3958,7 +3952,7 @@
           </p:nvCxnSpPr>
           <p:spPr>
             <a:xfrm>
-              <a:off x="1918230" y="3079054"/>
+              <a:off x="1948230" y="3212029"/>
               <a:ext cx="1110507" cy="774385"/>
             </a:xfrm>
             <a:prstGeom prst="straightConnector1">
@@ -3996,7 +3990,7 @@
           </p:nvCxnSpPr>
           <p:spPr>
             <a:xfrm>
-              <a:off x="1918230" y="3079054"/>
+              <a:off x="1948230" y="3212029"/>
               <a:ext cx="1110507" cy="2601074"/>
             </a:xfrm>
             <a:prstGeom prst="straightConnector1">
@@ -4178,8 +4172,8 @@
           </p:nvSpPr>
           <p:spPr>
             <a:xfrm>
-              <a:off x="6943746" y="-56010"/>
-              <a:ext cx="3065417" cy="1200329"/>
+              <a:off x="7150782" y="50815"/>
+              <a:ext cx="3874717" cy="1477328"/>
             </a:xfrm>
             <a:prstGeom prst="rect">
               <a:avLst/>
@@ -4193,10 +4187,15 @@
             <a:lstStyle/>
             <a:p>
               <a:r>
-                <a:rPr lang="en-US" dirty="0" smtClean="0"/>
-                <a:t>Patches with high likelihood that patch-level label are the same as the image</a:t>
+                <a:rPr lang="en-US" dirty="0"/>
+                <a:t>Max - Stage</a:t>
               </a:r>
-              <a:endParaRPr lang="en-US" dirty="0" smtClean="0"/>
+            </a:p>
+            <a:p>
+              <a:r>
+                <a:rPr lang="en-US" dirty="0"/>
+                <a:t>For Label cancer in patch, drop out those with lowest likelihood. Rerun the expectation Stage</a:t>
+              </a:r>
             </a:p>
             <a:p>
               <a:endParaRPr lang="en-US" dirty="0"/>
@@ -4214,8 +4213,8 @@
           </p:nvCxnSpPr>
           <p:spPr>
             <a:xfrm flipV="1">
-              <a:off x="6730550" y="1405663"/>
-              <a:ext cx="976204" cy="1528591"/>
+              <a:off x="6730550" y="1742504"/>
+              <a:ext cx="976204" cy="1191750"/>
             </a:xfrm>
             <a:prstGeom prst="straightConnector1">
               <a:avLst/>
@@ -4411,10 +4410,9 @@
             <a:lstStyle/>
             <a:p>
               <a:r>
-                <a:rPr lang="en-US" dirty="0" smtClean="0"/>
+                <a:rPr lang="en-US" dirty="0"/>
                 <a:t>Preprocessing</a:t>
               </a:r>
-              <a:endParaRPr lang="en-US" dirty="0" smtClean="0"/>
             </a:p>
             <a:p>
               <a:endParaRPr lang="en-US" dirty="0"/>
@@ -4422,6 +4420,547 @@
           </p:txBody>
         </p:sp>
       </p:grpSp>
+      <p:sp>
+        <p:nvSpPr>
+          <p:cNvPr id="37" name="Rectangle 36">
+            <a:extLst>
+              <a:ext uri="{FF2B5EF4-FFF2-40B4-BE49-F238E27FC236}">
+                <a16:creationId xmlns:a16="http://schemas.microsoft.com/office/drawing/2014/main" id="{E48BF592-7362-4072-9032-63642ABB2AC5}"/>
+              </a:ext>
+            </a:extLst>
+          </p:cNvPr>
+          <p:cNvSpPr/>
+          <p:nvPr/>
+        </p:nvSpPr>
+        <p:spPr>
+          <a:xfrm>
+            <a:off x="120326" y="2565918"/>
+            <a:ext cx="1749418" cy="1838370"/>
+          </a:xfrm>
+          <a:prstGeom prst="rect">
+            <a:avLst/>
+          </a:prstGeom>
+          <a:ln>
+            <a:solidFill>
+              <a:schemeClr val="tx1"/>
+            </a:solidFill>
+          </a:ln>
+        </p:spPr>
+        <p:style>
+          <a:lnRef idx="2">
+            <a:schemeClr val="accent6"/>
+          </a:lnRef>
+          <a:fillRef idx="1">
+            <a:schemeClr val="lt1"/>
+          </a:fillRef>
+          <a:effectRef idx="0">
+            <a:schemeClr val="accent6"/>
+          </a:effectRef>
+          <a:fontRef idx="minor">
+            <a:schemeClr val="dk1"/>
+          </a:fontRef>
+        </p:style>
+        <p:txBody>
+          <a:bodyPr rtlCol="0" anchor="ctr"/>
+          <a:lstStyle/>
+          <a:p>
+            <a:pPr algn="ctr"/>
+            <a:r>
+              <a:rPr lang="en-US" dirty="0"/>
+              <a:t>Input image</a:t>
+            </a:r>
+          </a:p>
+          <a:p>
+            <a:pPr algn="ctr"/>
+            <a:r>
+              <a:rPr lang="en-US" dirty="0"/>
+              <a:t>3328 x 4084</a:t>
+            </a:r>
+          </a:p>
+        </p:txBody>
+      </p:sp>
+      <p:sp>
+        <p:nvSpPr>
+          <p:cNvPr id="38" name="Rectangle 37">
+            <a:extLst>
+              <a:ext uri="{FF2B5EF4-FFF2-40B4-BE49-F238E27FC236}">
+                <a16:creationId xmlns:a16="http://schemas.microsoft.com/office/drawing/2014/main" id="{02D1AED8-85B0-4CE9-BBC8-C1E86D35BFF2}"/>
+              </a:ext>
+            </a:extLst>
+          </p:cNvPr>
+          <p:cNvSpPr/>
+          <p:nvPr/>
+        </p:nvSpPr>
+        <p:spPr>
+          <a:xfrm>
+            <a:off x="45388" y="2751573"/>
+            <a:ext cx="1749418" cy="1838370"/>
+          </a:xfrm>
+          <a:prstGeom prst="rect">
+            <a:avLst/>
+          </a:prstGeom>
+          <a:ln>
+            <a:solidFill>
+              <a:schemeClr val="tx1"/>
+            </a:solidFill>
+          </a:ln>
+        </p:spPr>
+        <p:style>
+          <a:lnRef idx="2">
+            <a:schemeClr val="accent6"/>
+          </a:lnRef>
+          <a:fillRef idx="1">
+            <a:schemeClr val="lt1"/>
+          </a:fillRef>
+          <a:effectRef idx="0">
+            <a:schemeClr val="accent6"/>
+          </a:effectRef>
+          <a:fontRef idx="minor">
+            <a:schemeClr val="dk1"/>
+          </a:fontRef>
+        </p:style>
+        <p:txBody>
+          <a:bodyPr rtlCol="0" anchor="ctr"/>
+          <a:lstStyle/>
+          <a:p>
+            <a:pPr algn="ctr"/>
+            <a:r>
+              <a:rPr lang="en-US" dirty="0"/>
+              <a:t>Input image</a:t>
+            </a:r>
+          </a:p>
+          <a:p>
+            <a:pPr algn="ctr"/>
+            <a:r>
+              <a:rPr lang="en-US" dirty="0"/>
+              <a:t>3328 x 4084</a:t>
+            </a:r>
+          </a:p>
+        </p:txBody>
+      </p:sp>
+      <p:sp>
+        <p:nvSpPr>
+          <p:cNvPr id="40" name="Rectangle 39">
+            <a:extLst>
+              <a:ext uri="{FF2B5EF4-FFF2-40B4-BE49-F238E27FC236}">
+                <a16:creationId xmlns:a16="http://schemas.microsoft.com/office/drawing/2014/main" id="{B595E84D-4617-4E91-8F57-9FC05CA74E72}"/>
+              </a:ext>
+            </a:extLst>
+          </p:cNvPr>
+          <p:cNvSpPr/>
+          <p:nvPr/>
+        </p:nvSpPr>
+        <p:spPr>
+          <a:xfrm>
+            <a:off x="-65427" y="2953209"/>
+            <a:ext cx="1749418" cy="1838370"/>
+          </a:xfrm>
+          <a:prstGeom prst="rect">
+            <a:avLst/>
+          </a:prstGeom>
+          <a:ln>
+            <a:solidFill>
+              <a:schemeClr val="tx1"/>
+            </a:solidFill>
+          </a:ln>
+        </p:spPr>
+        <p:style>
+          <a:lnRef idx="2">
+            <a:schemeClr val="accent6"/>
+          </a:lnRef>
+          <a:fillRef idx="1">
+            <a:schemeClr val="lt1"/>
+          </a:fillRef>
+          <a:effectRef idx="0">
+            <a:schemeClr val="accent6"/>
+          </a:effectRef>
+          <a:fontRef idx="minor">
+            <a:schemeClr val="dk1"/>
+          </a:fontRef>
+        </p:style>
+        <p:txBody>
+          <a:bodyPr rtlCol="0" anchor="ctr"/>
+          <a:lstStyle/>
+          <a:p>
+            <a:pPr algn="ctr"/>
+            <a:r>
+              <a:rPr lang="en-US" dirty="0"/>
+              <a:t>Input image</a:t>
+            </a:r>
+          </a:p>
+          <a:p>
+            <a:pPr algn="ctr"/>
+            <a:r>
+              <a:rPr lang="en-US" dirty="0"/>
+              <a:t>3328 x 4084</a:t>
+            </a:r>
+          </a:p>
+        </p:txBody>
+      </p:sp>
+      <p:sp>
+        <p:nvSpPr>
+          <p:cNvPr id="41" name="Rectangle 40">
+            <a:extLst>
+              <a:ext uri="{FF2B5EF4-FFF2-40B4-BE49-F238E27FC236}">
+                <a16:creationId xmlns:a16="http://schemas.microsoft.com/office/drawing/2014/main" id="{B6442B66-4782-465B-B31A-A807CF87D74D}"/>
+              </a:ext>
+            </a:extLst>
+          </p:cNvPr>
+          <p:cNvSpPr/>
+          <p:nvPr/>
+        </p:nvSpPr>
+        <p:spPr>
+          <a:xfrm>
+            <a:off x="7648221" y="5638003"/>
+            <a:ext cx="1102640" cy="1158705"/>
+          </a:xfrm>
+          <a:prstGeom prst="rect">
+            <a:avLst/>
+          </a:prstGeom>
+          <a:ln>
+            <a:solidFill>
+              <a:schemeClr val="tx1"/>
+            </a:solidFill>
+          </a:ln>
+        </p:spPr>
+        <p:style>
+          <a:lnRef idx="2">
+            <a:schemeClr val="accent6"/>
+          </a:lnRef>
+          <a:fillRef idx="1">
+            <a:schemeClr val="lt1"/>
+          </a:fillRef>
+          <a:effectRef idx="0">
+            <a:schemeClr val="accent6"/>
+          </a:effectRef>
+          <a:fontRef idx="minor">
+            <a:schemeClr val="dk1"/>
+          </a:fontRef>
+        </p:style>
+        <p:txBody>
+          <a:bodyPr rtlCol="0" anchor="ctr"/>
+          <a:lstStyle/>
+          <a:p>
+            <a:pPr algn="ctr"/>
+            <a:r>
+              <a:rPr lang="en-US" dirty="0"/>
+              <a:t>patch</a:t>
+            </a:r>
+          </a:p>
+          <a:p>
+            <a:pPr algn="ctr"/>
+            <a:r>
+              <a:rPr lang="en-US" dirty="0"/>
+              <a:t>224 x 224</a:t>
+            </a:r>
+          </a:p>
+        </p:txBody>
+      </p:sp>
+      <p:cxnSp>
+        <p:nvCxnSpPr>
+          <p:cNvPr id="3" name="Straight Connector 2">
+            <a:extLst>
+              <a:ext uri="{FF2B5EF4-FFF2-40B4-BE49-F238E27FC236}">
+                <a16:creationId xmlns:a16="http://schemas.microsoft.com/office/drawing/2014/main" id="{2FFF2B92-E6F8-4B3C-89FC-D01AF3A123C2}"/>
+              </a:ext>
+            </a:extLst>
+          </p:cNvPr>
+          <p:cNvCxnSpPr/>
+          <p:nvPr/>
+        </p:nvCxnSpPr>
+        <p:spPr>
+          <a:xfrm flipV="1">
+            <a:off x="7241848" y="5513345"/>
+            <a:ext cx="1846005" cy="1283363"/>
+          </a:xfrm>
+          <a:prstGeom prst="line">
+            <a:avLst/>
+          </a:prstGeom>
+          <a:ln w="28575">
+            <a:solidFill>
+              <a:srgbClr val="FF0000"/>
+            </a:solidFill>
+          </a:ln>
+        </p:spPr>
+        <p:style>
+          <a:lnRef idx="1">
+            <a:schemeClr val="accent1"/>
+          </a:lnRef>
+          <a:fillRef idx="0">
+            <a:schemeClr val="accent1"/>
+          </a:fillRef>
+          <a:effectRef idx="0">
+            <a:schemeClr val="accent1"/>
+          </a:effectRef>
+          <a:fontRef idx="minor">
+            <a:schemeClr val="tx1"/>
+          </a:fontRef>
+        </p:style>
+      </p:cxnSp>
+      <p:cxnSp>
+        <p:nvCxnSpPr>
+          <p:cNvPr id="7" name="Straight Connector 6">
+            <a:extLst>
+              <a:ext uri="{FF2B5EF4-FFF2-40B4-BE49-F238E27FC236}">
+                <a16:creationId xmlns:a16="http://schemas.microsoft.com/office/drawing/2014/main" id="{BA18877B-4713-4B5D-95B6-4340BE230F77}"/>
+              </a:ext>
+            </a:extLst>
+          </p:cNvPr>
+          <p:cNvCxnSpPr/>
+          <p:nvPr/>
+        </p:nvCxnSpPr>
+        <p:spPr>
+          <a:xfrm>
+            <a:off x="7189241" y="5550095"/>
+            <a:ext cx="1810380" cy="1246613"/>
+          </a:xfrm>
+          <a:prstGeom prst="line">
+            <a:avLst/>
+          </a:prstGeom>
+          <a:ln w="38100">
+            <a:solidFill>
+              <a:srgbClr val="FF0000"/>
+            </a:solidFill>
+          </a:ln>
+        </p:spPr>
+        <p:style>
+          <a:lnRef idx="1">
+            <a:schemeClr val="accent1"/>
+          </a:lnRef>
+          <a:fillRef idx="0">
+            <a:schemeClr val="accent1"/>
+          </a:fillRef>
+          <a:effectRef idx="0">
+            <a:schemeClr val="accent1"/>
+          </a:effectRef>
+          <a:fontRef idx="minor">
+            <a:schemeClr val="tx1"/>
+          </a:fontRef>
+        </p:style>
+      </p:cxnSp>
+      <p:cxnSp>
+        <p:nvCxnSpPr>
+          <p:cNvPr id="47" name="Straight Arrow Connector 46">
+            <a:extLst>
+              <a:ext uri="{FF2B5EF4-FFF2-40B4-BE49-F238E27FC236}">
+                <a16:creationId xmlns:a16="http://schemas.microsoft.com/office/drawing/2014/main" id="{B5ED62E4-D2A5-4AA2-9AC2-9A32B3F99A73}"/>
+              </a:ext>
+            </a:extLst>
+          </p:cNvPr>
+          <p:cNvCxnSpPr>
+            <a:cxnSpLocks/>
+          </p:cNvCxnSpPr>
+          <p:nvPr/>
+        </p:nvCxnSpPr>
+        <p:spPr>
+          <a:xfrm flipH="1">
+            <a:off x="5801040" y="5210670"/>
+            <a:ext cx="1831352" cy="0"/>
+          </a:xfrm>
+          <a:prstGeom prst="straightConnector1">
+            <a:avLst/>
+          </a:prstGeom>
+          <a:ln w="41275">
+            <a:solidFill>
+              <a:schemeClr val="tx1"/>
+            </a:solidFill>
+            <a:tailEnd type="triangle"/>
+          </a:ln>
+        </p:spPr>
+        <p:style>
+          <a:lnRef idx="1">
+            <a:schemeClr val="accent1"/>
+          </a:lnRef>
+          <a:fillRef idx="0">
+            <a:schemeClr val="accent1"/>
+          </a:fillRef>
+          <a:effectRef idx="0">
+            <a:schemeClr val="accent1"/>
+          </a:effectRef>
+          <a:fontRef idx="minor">
+            <a:schemeClr val="tx1"/>
+          </a:fontRef>
+        </p:style>
+      </p:cxnSp>
+      <p:cxnSp>
+        <p:nvCxnSpPr>
+          <p:cNvPr id="50" name="Straight Arrow Connector 49">
+            <a:extLst>
+              <a:ext uri="{FF2B5EF4-FFF2-40B4-BE49-F238E27FC236}">
+                <a16:creationId xmlns:a16="http://schemas.microsoft.com/office/drawing/2014/main" id="{A5566331-9DED-4CB7-9FA3-546A56402848}"/>
+              </a:ext>
+            </a:extLst>
+          </p:cNvPr>
+          <p:cNvCxnSpPr>
+            <a:cxnSpLocks/>
+            <a:endCxn id="19" idx="2"/>
+          </p:cNvCxnSpPr>
+          <p:nvPr/>
+        </p:nvCxnSpPr>
+        <p:spPr>
+          <a:xfrm flipV="1">
+            <a:off x="5813232" y="3907711"/>
+            <a:ext cx="0" cy="1292990"/>
+          </a:xfrm>
+          <a:prstGeom prst="straightConnector1">
+            <a:avLst/>
+          </a:prstGeom>
+          <a:ln w="41275">
+            <a:solidFill>
+              <a:schemeClr val="tx1"/>
+            </a:solidFill>
+            <a:tailEnd type="triangle"/>
+          </a:ln>
+        </p:spPr>
+        <p:style>
+          <a:lnRef idx="1">
+            <a:schemeClr val="accent1"/>
+          </a:lnRef>
+          <a:fillRef idx="0">
+            <a:schemeClr val="accent1"/>
+          </a:fillRef>
+          <a:effectRef idx="0">
+            <a:schemeClr val="accent1"/>
+          </a:effectRef>
+          <a:fontRef idx="minor">
+            <a:schemeClr val="tx1"/>
+          </a:fontRef>
+        </p:style>
+      </p:cxnSp>
+      <p:sp>
+        <p:nvSpPr>
+          <p:cNvPr id="53" name="TextBox 52">
+            <a:extLst>
+              <a:ext uri="{FF2B5EF4-FFF2-40B4-BE49-F238E27FC236}">
+                <a16:creationId xmlns:a16="http://schemas.microsoft.com/office/drawing/2014/main" id="{9DB6D967-5DE6-46FE-98FD-108642384FE1}"/>
+              </a:ext>
+            </a:extLst>
+          </p:cNvPr>
+          <p:cNvSpPr txBox="1"/>
+          <p:nvPr/>
+        </p:nvSpPr>
+        <p:spPr>
+          <a:xfrm>
+            <a:off x="4699294" y="488949"/>
+            <a:ext cx="3065417" cy="646331"/>
+          </a:xfrm>
+          <a:prstGeom prst="rect">
+            <a:avLst/>
+          </a:prstGeom>
+          <a:noFill/>
+        </p:spPr>
+        <p:txBody>
+          <a:bodyPr wrap="square" rtlCol="0">
+            <a:spAutoFit/>
+          </a:bodyPr>
+          <a:lstStyle/>
+          <a:p>
+            <a:r>
+              <a:rPr lang="en-US" dirty="0"/>
+              <a:t>Expectation - Stage</a:t>
+            </a:r>
+          </a:p>
+          <a:p>
+            <a:endParaRPr lang="en-US" dirty="0"/>
+          </a:p>
+        </p:txBody>
+      </p:sp>
+      <p:sp>
+        <p:nvSpPr>
+          <p:cNvPr id="56" name="Rectangle 55">
+            <a:extLst>
+              <a:ext uri="{FF2B5EF4-FFF2-40B4-BE49-F238E27FC236}">
+                <a16:creationId xmlns:a16="http://schemas.microsoft.com/office/drawing/2014/main" id="{EDEEB80C-784F-4F1D-AB43-FE45F492027E}"/>
+              </a:ext>
+            </a:extLst>
+          </p:cNvPr>
+          <p:cNvSpPr/>
+          <p:nvPr/>
+        </p:nvSpPr>
+        <p:spPr>
+          <a:xfrm>
+            <a:off x="10031990" y="2079310"/>
+            <a:ext cx="1749418" cy="1838370"/>
+          </a:xfrm>
+          <a:prstGeom prst="rect">
+            <a:avLst/>
+          </a:prstGeom>
+          <a:ln>
+            <a:solidFill>
+              <a:schemeClr val="tx1"/>
+            </a:solidFill>
+          </a:ln>
+        </p:spPr>
+        <p:style>
+          <a:lnRef idx="2">
+            <a:schemeClr val="accent6"/>
+          </a:lnRef>
+          <a:fillRef idx="1">
+            <a:schemeClr val="lt1"/>
+          </a:fillRef>
+          <a:effectRef idx="0">
+            <a:schemeClr val="accent6"/>
+          </a:effectRef>
+          <a:fontRef idx="minor">
+            <a:schemeClr val="dk1"/>
+          </a:fontRef>
+        </p:style>
+        <p:txBody>
+          <a:bodyPr rtlCol="0" anchor="ctr"/>
+          <a:lstStyle/>
+          <a:p>
+            <a:pPr algn="ctr"/>
+            <a:r>
+              <a:rPr lang="en-US" dirty="0"/>
+              <a:t>After EM-Complete, Collect all patch and train up our Level-2 CNN</a:t>
+            </a:r>
+          </a:p>
+        </p:txBody>
+      </p:sp>
+      <p:cxnSp>
+        <p:nvCxnSpPr>
+          <p:cNvPr id="57" name="Straight Arrow Connector 56">
+            <a:extLst>
+              <a:ext uri="{FF2B5EF4-FFF2-40B4-BE49-F238E27FC236}">
+                <a16:creationId xmlns:a16="http://schemas.microsoft.com/office/drawing/2014/main" id="{038F8088-FCCD-4EAE-A19E-079720ED0F63}"/>
+              </a:ext>
+            </a:extLst>
+          </p:cNvPr>
+          <p:cNvCxnSpPr>
+            <a:cxnSpLocks/>
+          </p:cNvCxnSpPr>
+          <p:nvPr/>
+        </p:nvCxnSpPr>
+        <p:spPr>
+          <a:xfrm>
+            <a:off x="10949152" y="3928283"/>
+            <a:ext cx="0" cy="1005709"/>
+          </a:xfrm>
+          <a:prstGeom prst="straightConnector1">
+            <a:avLst/>
+          </a:prstGeom>
+          <a:ln w="41275">
+            <a:solidFill>
+              <a:schemeClr val="tx1"/>
+            </a:solidFill>
+            <a:tailEnd type="triangle"/>
+          </a:ln>
+        </p:spPr>
+        <p:style>
+          <a:lnRef idx="1">
+            <a:schemeClr val="accent1"/>
+          </a:lnRef>
+          <a:fillRef idx="0">
+            <a:schemeClr val="accent1"/>
+          </a:fillRef>
+          <a:effectRef idx="0">
+            <a:schemeClr val="accent1"/>
+          </a:effectRef>
+          <a:fontRef idx="minor">
+            <a:schemeClr val="tx1"/>
+          </a:fontRef>
+        </p:style>
+      </p:cxnSp>
     </p:spTree>
     <p:extLst>
       <p:ext uri="{BB962C8B-B14F-4D97-AF65-F5344CB8AC3E}">
@@ -4506,17 +5045,16 @@
             <a:p>
               <a:pPr algn="ctr"/>
               <a:r>
-                <a:rPr lang="en-US" dirty="0" smtClean="0"/>
+                <a:rPr lang="en-US" dirty="0"/>
                 <a:t>Input image</a:t>
               </a:r>
             </a:p>
             <a:p>
               <a:pPr algn="ctr"/>
               <a:r>
-                <a:rPr lang="en-US" dirty="0" smtClean="0"/>
+                <a:rPr lang="en-US" dirty="0"/>
                 <a:t>3328 x 4084</a:t>
               </a:r>
-              <a:endParaRPr lang="en-US" dirty="0"/>
             </a:p>
           </p:txBody>
         </p:sp>
@@ -4598,17 +5136,16 @@
             <a:p>
               <a:pPr algn="ctr"/>
               <a:r>
-                <a:rPr lang="en-US" dirty="0" smtClean="0"/>
+                <a:rPr lang="en-US" dirty="0"/>
                 <a:t>patch</a:t>
               </a:r>
             </a:p>
             <a:p>
               <a:pPr algn="ctr"/>
               <a:r>
-                <a:rPr lang="en-US" dirty="0" smtClean="0"/>
+                <a:rPr lang="en-US" dirty="0"/>
                 <a:t>224 x 224</a:t>
               </a:r>
-              <a:endParaRPr lang="en-US" dirty="0"/>
             </a:p>
           </p:txBody>
         </p:sp>
@@ -4652,17 +5189,16 @@
             <a:p>
               <a:pPr algn="ctr"/>
               <a:r>
-                <a:rPr lang="en-US" dirty="0" smtClean="0"/>
+                <a:rPr lang="en-US" dirty="0"/>
                 <a:t>patch</a:t>
               </a:r>
             </a:p>
             <a:p>
               <a:pPr algn="ctr"/>
               <a:r>
-                <a:rPr lang="en-US" dirty="0" smtClean="0"/>
+                <a:rPr lang="en-US" dirty="0"/>
                 <a:t>224 x 224</a:t>
               </a:r>
-              <a:endParaRPr lang="en-US" dirty="0"/>
             </a:p>
           </p:txBody>
         </p:sp>
@@ -4850,17 +5386,16 @@
             <a:p>
               <a:pPr algn="ctr"/>
               <a:r>
-                <a:rPr lang="en-US" dirty="0" smtClean="0"/>
+                <a:rPr lang="en-US" dirty="0"/>
                 <a:t>patch</a:t>
               </a:r>
             </a:p>
             <a:p>
               <a:pPr algn="ctr"/>
               <a:r>
-                <a:rPr lang="en-US" dirty="0" smtClean="0"/>
+                <a:rPr lang="en-US" dirty="0"/>
                 <a:t>224 x 224</a:t>
               </a:r>
-              <a:endParaRPr lang="en-US" dirty="0"/>
             </a:p>
           </p:txBody>
         </p:sp>
@@ -4907,23 +5442,23 @@
             <a:p>
               <a:pPr algn="ctr"/>
               <a:r>
-                <a:rPr lang="en-US" dirty="0" smtClean="0">
+                <a:rPr lang="en-US" dirty="0">
+                  <a:solidFill>
+                    <a:schemeClr val="tx1"/>
+                  </a:solidFill>
+                </a:rPr>
+                <a:t>Level-2</a:t>
+              </a:r>
+            </a:p>
+            <a:p>
+              <a:pPr algn="ctr"/>
+              <a:r>
+                <a:rPr lang="en-US" dirty="0">
                   <a:solidFill>
                     <a:schemeClr val="tx1"/>
                   </a:solidFill>
                 </a:rPr>
                 <a:t>CNN</a:t>
-              </a:r>
-            </a:p>
-            <a:p>
-              <a:pPr algn="ctr"/>
-              <a:r>
-                <a:rPr lang="en-US" dirty="0" smtClean="0">
-                  <a:solidFill>
-                    <a:schemeClr val="tx1"/>
-                  </a:solidFill>
-                </a:rPr>
-                <a:t>from second-level of training</a:t>
               </a:r>
             </a:p>
           </p:txBody>
@@ -4968,17 +5503,16 @@
             <a:p>
               <a:pPr algn="ctr"/>
               <a:r>
-                <a:rPr lang="en-US" dirty="0" smtClean="0"/>
+                <a:rPr lang="en-US" dirty="0"/>
                 <a:t>patch</a:t>
               </a:r>
             </a:p>
             <a:p>
               <a:pPr algn="ctr"/>
               <a:r>
-                <a:rPr lang="en-US" dirty="0" smtClean="0"/>
+                <a:rPr lang="en-US" dirty="0"/>
                 <a:t>224 x 224</a:t>
               </a:r>
-              <a:endParaRPr lang="en-US" dirty="0"/>
             </a:p>
           </p:txBody>
         </p:sp>
@@ -5279,10 +5813,9 @@
             <a:lstStyle/>
             <a:p>
               <a:r>
-                <a:rPr lang="en-US" dirty="0" smtClean="0"/>
+                <a:rPr lang="en-US" dirty="0"/>
                 <a:t>Predict all labels for patches in the image. If any one is positive, classify the image as 1</a:t>
               </a:r>
-              <a:endParaRPr lang="en-US" dirty="0"/>
             </a:p>
           </p:txBody>
         </p:sp>
@@ -5309,10 +5842,9 @@
             <a:lstStyle/>
             <a:p>
               <a:r>
-                <a:rPr lang="en-US" dirty="0" smtClean="0"/>
+                <a:rPr lang="en-US" dirty="0"/>
                 <a:t>Preprocessing</a:t>
               </a:r>
-              <a:endParaRPr lang="en-US" dirty="0" smtClean="0"/>
             </a:p>
             <a:p>
               <a:endParaRPr lang="en-US" dirty="0"/>
